--- a/PPT/MBSE - RequirementsEditor.pptx
+++ b/PPT/MBSE - RequirementsEditor.pptx
@@ -613,11 +613,11 @@
         </c:dLbls>
         <c:marker val="1"/>
         <c:smooth val="0"/>
-        <c:axId val="144680736"/>
-        <c:axId val="144681296"/>
+        <c:axId val="182065776"/>
+        <c:axId val="182066336"/>
       </c:lineChart>
       <c:catAx>
-        <c:axId val="144680736"/>
+        <c:axId val="182065776"/>
         <c:scaling>
           <c:orientation val="minMax"/>
         </c:scaling>
@@ -651,7 +651,7 @@
             <a:endParaRPr lang="zh-CN"/>
           </a:p>
         </c:txPr>
-        <c:crossAx val="144681296"/>
+        <c:crossAx val="182066336"/>
         <c:crosses val="autoZero"/>
         <c:auto val="1"/>
         <c:lblAlgn val="ctr"/>
@@ -659,7 +659,7 @@
         <c:noMultiLvlLbl val="1"/>
       </c:catAx>
       <c:valAx>
-        <c:axId val="144681296"/>
+        <c:axId val="182066336"/>
         <c:scaling>
           <c:orientation val="minMax"/>
         </c:scaling>
@@ -702,7 +702,7 @@
             <a:endParaRPr lang="zh-CN"/>
           </a:p>
         </c:txPr>
-        <c:crossAx val="144680736"/>
+        <c:crossAx val="182065776"/>
         <c:crosses val="autoZero"/>
         <c:crossBetween val="between"/>
         <c:majorUnit val="22.5"/>
@@ -1046,7 +1046,7 @@
             <a:effectLst/>
             <a:extLst>
               <a:ext uri="{C572A759-6A51-4108-AA02-DFA0A04FC94B}">
-                <ma14:wrappingTextBoxFlag xmlns="" xmlns:ma14="http://schemas.microsoft.com/office/mac/drawingml/2011/main" val="1"/>
+                <ma14:wrappingTextBoxFlag xmlns:ma14="http://schemas.microsoft.com/office/mac/drawingml/2011/main" xmlns="" val="1"/>
               </a:ext>
             </a:extLst>
           </p:spPr>
@@ -1135,7 +1135,7 @@
             <a:effectLst/>
             <a:extLst>
               <a:ext uri="{C572A759-6A51-4108-AA02-DFA0A04FC94B}">
-                <ma14:wrappingTextBoxFlag xmlns="" xmlns:ma14="http://schemas.microsoft.com/office/mac/drawingml/2011/main" val="1"/>
+                <ma14:wrappingTextBoxFlag xmlns:ma14="http://schemas.microsoft.com/office/mac/drawingml/2011/main" xmlns="" val="1"/>
               </a:ext>
             </a:extLst>
           </p:spPr>
@@ -2293,7 +2293,7 @@
           </a:ln>
           <a:extLst>
             <a:ext uri="{C572A759-6A51-4108-AA02-DFA0A04FC94B}">
-              <ma14:wrappingTextBoxFlag xmlns="" xmlns:ma14="http://schemas.microsoft.com/office/mac/drawingml/2011/main" val="1"/>
+              <ma14:wrappingTextBoxFlag xmlns:ma14="http://schemas.microsoft.com/office/mac/drawingml/2011/main" xmlns="" val="1"/>
             </a:ext>
           </a:extLst>
         </p:spPr>
@@ -2336,7 +2336,7 @@
           </a:ln>
           <a:extLst>
             <a:ext uri="{C572A759-6A51-4108-AA02-DFA0A04FC94B}">
-              <ma14:wrappingTextBoxFlag xmlns="" xmlns:ma14="http://schemas.microsoft.com/office/mac/drawingml/2011/main" val="1"/>
+              <ma14:wrappingTextBoxFlag xmlns:ma14="http://schemas.microsoft.com/office/mac/drawingml/2011/main" xmlns="" val="1"/>
             </a:ext>
           </a:extLst>
         </p:spPr>
@@ -2375,7 +2375,7 @@
           </a:ln>
           <a:extLst>
             <a:ext uri="{C572A759-6A51-4108-AA02-DFA0A04FC94B}">
-              <ma14:wrappingTextBoxFlag xmlns="" xmlns:ma14="http://schemas.microsoft.com/office/mac/drawingml/2011/main" val="1"/>
+              <ma14:wrappingTextBoxFlag xmlns:ma14="http://schemas.microsoft.com/office/mac/drawingml/2011/main" xmlns="" val="1"/>
             </a:ext>
           </a:extLst>
         </p:spPr>
@@ -6417,8 +6417,13 @@
             </a:pPr>
             <a:r>
               <a:rPr lang="de-DE" dirty="0" smtClean="0"/>
-              <a:t>Keine zusätzliche Konfiguration benötig</a:t>
-            </a:r>
+              <a:t>Keine zusätzliche Konfiguration </a:t>
+            </a:r>
+            <a:r>
+              <a:rPr lang="de-DE" dirty="0" smtClean="0"/>
+              <a:t>benötigt</a:t>
+            </a:r>
+            <a:endParaRPr lang="de-DE" dirty="0" smtClean="0"/>
           </a:p>
           <a:p>
             <a:pPr lvl="4">
@@ -6436,8 +6441,9 @@
             </a:pPr>
             <a:r>
               <a:rPr lang="de-DE" dirty="0" smtClean="0"/>
-              <a:t>Rückmeldung</a:t>
-            </a:r>
+              <a:t>Klare Rückmeldung</a:t>
+            </a:r>
+            <a:endParaRPr lang="de-DE" dirty="0" smtClean="0"/>
           </a:p>
           <a:p>
             <a:pPr lvl="2">
@@ -6494,7 +6500,15 @@
             </a:pPr>
             <a:r>
               <a:rPr lang="de-DE" dirty="0" smtClean="0"/>
-              <a:t>CSV: Einfach und klar</a:t>
+              <a:t>CSV: </a:t>
+            </a:r>
+            <a:r>
+              <a:rPr lang="de-DE" dirty="0" smtClean="0"/>
+              <a:t>einfach </a:t>
+            </a:r>
+            <a:r>
+              <a:rPr lang="de-DE" dirty="0" smtClean="0"/>
+              <a:t>und klar</a:t>
             </a:r>
           </a:p>
           <a:p>
@@ -6658,8 +6672,8 @@
         </p:blipFill>
         <p:spPr>
           <a:xfrm>
-            <a:off x="801931" y="819150"/>
-            <a:ext cx="7635387" cy="5728613"/>
+            <a:off x="773945" y="819150"/>
+            <a:ext cx="7691360" cy="5770608"/>
           </a:xfrm>
           <a:prstGeom prst="rect">
             <a:avLst/>

--- a/PPT/MBSE - RequirementsEditor.pptx
+++ b/PPT/MBSE - RequirementsEditor.pptx
@@ -5,7 +5,7 @@
     <p:sldMasterId id="2147483648" r:id="rId1"/>
   </p:sldMasterIdLst>
   <p:notesMasterIdLst>
-    <p:notesMasterId r:id="rId19"/>
+    <p:notesMasterId r:id="rId18"/>
   </p:notesMasterIdLst>
   <p:sldIdLst>
     <p:sldId id="256" r:id="rId2"/>
@@ -19,12 +19,11 @@
     <p:sldId id="257" r:id="rId10"/>
     <p:sldId id="265" r:id="rId11"/>
     <p:sldId id="266" r:id="rId12"/>
-    <p:sldId id="267" r:id="rId13"/>
-    <p:sldId id="268" r:id="rId14"/>
+    <p:sldId id="268" r:id="rId13"/>
+    <p:sldId id="274" r:id="rId14"/>
     <p:sldId id="269" r:id="rId15"/>
     <p:sldId id="263" r:id="rId16"/>
-    <p:sldId id="271" r:id="rId17"/>
-    <p:sldId id="261" r:id="rId18"/>
+    <p:sldId id="261" r:id="rId17"/>
   </p:sldIdLst>
   <p:sldSz cx="9144000" cy="6858000" type="screen4x3"/>
   <p:notesSz cx="6858000" cy="9144000"/>
@@ -613,11 +612,11 @@
         </c:dLbls>
         <c:marker val="1"/>
         <c:smooth val="0"/>
-        <c:axId val="182065776"/>
-        <c:axId val="182066336"/>
+        <c:axId val="189721552"/>
+        <c:axId val="189722112"/>
       </c:lineChart>
       <c:catAx>
-        <c:axId val="182065776"/>
+        <c:axId val="189721552"/>
         <c:scaling>
           <c:orientation val="minMax"/>
         </c:scaling>
@@ -651,7 +650,7 @@
             <a:endParaRPr lang="zh-CN"/>
           </a:p>
         </c:txPr>
-        <c:crossAx val="182066336"/>
+        <c:crossAx val="189722112"/>
         <c:crosses val="autoZero"/>
         <c:auto val="1"/>
         <c:lblAlgn val="ctr"/>
@@ -659,7 +658,7 @@
         <c:noMultiLvlLbl val="1"/>
       </c:catAx>
       <c:valAx>
-        <c:axId val="182066336"/>
+        <c:axId val="189722112"/>
         <c:scaling>
           <c:orientation val="minMax"/>
         </c:scaling>
@@ -702,7 +701,7 @@
             <a:endParaRPr lang="zh-CN"/>
           </a:p>
         </c:txPr>
-        <c:crossAx val="182065776"/>
+        <c:crossAx val="189721552"/>
         <c:crosses val="autoZero"/>
         <c:crossBetween val="between"/>
         <c:majorUnit val="22.5"/>
@@ -1046,7 +1045,7 @@
             <a:effectLst/>
             <a:extLst>
               <a:ext uri="{C572A759-6A51-4108-AA02-DFA0A04FC94B}">
-                <ma14:wrappingTextBoxFlag xmlns:ma14="http://schemas.microsoft.com/office/mac/drawingml/2011/main" xmlns="" val="1"/>
+                <ma14:wrappingTextBoxFlag xmlns="" xmlns:ma14="http://schemas.microsoft.com/office/mac/drawingml/2011/main" val="1"/>
               </a:ext>
             </a:extLst>
           </p:spPr>
@@ -1135,7 +1134,7 @@
             <a:effectLst/>
             <a:extLst>
               <a:ext uri="{C572A759-6A51-4108-AA02-DFA0A04FC94B}">
-                <ma14:wrappingTextBoxFlag xmlns:ma14="http://schemas.microsoft.com/office/mac/drawingml/2011/main" xmlns="" val="1"/>
+                <ma14:wrappingTextBoxFlag xmlns="" xmlns:ma14="http://schemas.microsoft.com/office/mac/drawingml/2011/main" val="1"/>
               </a:ext>
             </a:extLst>
           </p:spPr>
@@ -2293,7 +2292,7 @@
           </a:ln>
           <a:extLst>
             <a:ext uri="{C572A759-6A51-4108-AA02-DFA0A04FC94B}">
-              <ma14:wrappingTextBoxFlag xmlns:ma14="http://schemas.microsoft.com/office/mac/drawingml/2011/main" xmlns="" val="1"/>
+              <ma14:wrappingTextBoxFlag xmlns="" xmlns:ma14="http://schemas.microsoft.com/office/mac/drawingml/2011/main" val="1"/>
             </a:ext>
           </a:extLst>
         </p:spPr>
@@ -2336,7 +2335,7 @@
           </a:ln>
           <a:extLst>
             <a:ext uri="{C572A759-6A51-4108-AA02-DFA0A04FC94B}">
-              <ma14:wrappingTextBoxFlag xmlns:ma14="http://schemas.microsoft.com/office/mac/drawingml/2011/main" xmlns="" val="1"/>
+              <ma14:wrappingTextBoxFlag xmlns="" xmlns:ma14="http://schemas.microsoft.com/office/mac/drawingml/2011/main" val="1"/>
             </a:ext>
           </a:extLst>
         </p:spPr>
@@ -2375,7 +2374,7 @@
           </a:ln>
           <a:extLst>
             <a:ext uri="{C572A759-6A51-4108-AA02-DFA0A04FC94B}">
-              <ma14:wrappingTextBoxFlag xmlns:ma14="http://schemas.microsoft.com/office/mac/drawingml/2011/main" xmlns="" val="1"/>
+              <ma14:wrappingTextBoxFlag xmlns="" xmlns:ma14="http://schemas.microsoft.com/office/mac/drawingml/2011/main" val="1"/>
             </a:ext>
           </a:extLst>
         </p:spPr>
@@ -3730,7 +3729,7 @@
       </p:sp>
       <p:pic>
         <p:nvPicPr>
-          <p:cNvPr id="3" name="Grafik 2"/>
+          <p:cNvPr id="2" name="Grafik 1"/>
           <p:cNvPicPr>
             <a:picLocks noChangeAspect="1"/>
           </p:cNvPicPr>
@@ -3750,8 +3749,8 @@
         </p:blipFill>
         <p:spPr>
           <a:xfrm>
-            <a:off x="1066311" y="1261760"/>
-            <a:ext cx="7011378" cy="4334480"/>
+            <a:off x="370888" y="1314155"/>
+            <a:ext cx="8402223" cy="4229690"/>
           </a:xfrm>
           <a:prstGeom prst="rect">
             <a:avLst/>
@@ -3761,7 +3760,7 @@
     </p:spTree>
     <p:extLst>
       <p:ext uri="{BB962C8B-B14F-4D97-AF65-F5344CB8AC3E}">
-        <p14:creationId xmlns:p14="http://schemas.microsoft.com/office/powerpoint/2010/main" val="3112281210"/>
+        <p14:creationId xmlns:p14="http://schemas.microsoft.com/office/powerpoint/2010/main" val="4070458071"/>
       </p:ext>
     </p:extLst>
   </p:cSld>
@@ -3859,7 +3858,7 @@
       </p:sp>
       <p:pic>
         <p:nvPicPr>
-          <p:cNvPr id="3" name="Grafik 2"/>
+          <p:cNvPr id="2" name="Grafik 1"/>
           <p:cNvPicPr>
             <a:picLocks noChangeAspect="1"/>
           </p:cNvPicPr>
@@ -3879,8 +3878,8 @@
         </p:blipFill>
         <p:spPr>
           <a:xfrm>
-            <a:off x="733669" y="819150"/>
-            <a:ext cx="7771912" cy="5831044"/>
+            <a:off x="802122" y="819150"/>
+            <a:ext cx="7635005" cy="5728461"/>
           </a:xfrm>
           <a:prstGeom prst="rect">
             <a:avLst/>
@@ -3890,7 +3889,7 @@
     </p:spTree>
     <p:extLst>
       <p:ext uri="{BB962C8B-B14F-4D97-AF65-F5344CB8AC3E}">
-        <p14:creationId xmlns:p14="http://schemas.microsoft.com/office/powerpoint/2010/main" val="4070458071"/>
+        <p14:creationId xmlns:p14="http://schemas.microsoft.com/office/powerpoint/2010/main" val="3430229441"/>
       </p:ext>
     </p:extLst>
   </p:cSld>
@@ -3988,7 +3987,7 @@
       </p:sp>
       <p:pic>
         <p:nvPicPr>
-          <p:cNvPr id="2" name="Grafik 1"/>
+          <p:cNvPr id="4" name="Grafik 3"/>
           <p:cNvPicPr>
             <a:picLocks noChangeAspect="1"/>
           </p:cNvPicPr>
@@ -4008,8 +4007,8 @@
         </p:blipFill>
         <p:spPr>
           <a:xfrm>
-            <a:off x="0" y="858505"/>
-            <a:ext cx="9144000" cy="5140990"/>
+            <a:off x="900370" y="800434"/>
+            <a:ext cx="7438509" cy="5835316"/>
           </a:xfrm>
           <a:prstGeom prst="rect">
             <a:avLst/>
@@ -4442,135 +4441,6 @@
       </p:grpSpPr>
       <p:sp>
         <p:nvSpPr>
-          <p:cNvPr id="92" name="Shape 92"/>
-          <p:cNvSpPr/>
-          <p:nvPr/>
-        </p:nvSpPr>
-        <p:spPr>
-          <a:xfrm>
-            <a:off x="0" y="0"/>
-            <a:ext cx="9144000" cy="1133475"/>
-          </a:xfrm>
-          <a:prstGeom prst="rect">
-            <a:avLst/>
-          </a:prstGeom>
-          <a:solidFill>
-            <a:schemeClr val="accent1"/>
-          </a:solidFill>
-          <a:ln w="12700">
-            <a:miter lim="400000"/>
-          </a:ln>
-        </p:spPr>
-        <p:txBody>
-          <a:bodyPr lIns="45719" rIns="45719" anchor="ctr"/>
-          <a:lstStyle/>
-          <a:p>
-            <a:pPr algn="ctr">
-              <a:defRPr>
-                <a:solidFill>
-                  <a:schemeClr val="accent2"/>
-                </a:solidFill>
-              </a:defRPr>
-            </a:pPr>
-            <a:endParaRPr/>
-          </a:p>
-        </p:txBody>
-      </p:sp>
-      <p:sp>
-        <p:nvSpPr>
-          <p:cNvPr id="93" name="Shape 93"/>
-          <p:cNvSpPr>
-            <a:spLocks noGrp="1"/>
-          </p:cNvSpPr>
-          <p:nvPr>
-            <p:ph type="title"/>
-          </p:nvPr>
-        </p:nvSpPr>
-        <p:spPr>
-          <a:prstGeom prst="rect">
-            <a:avLst/>
-          </a:prstGeom>
-        </p:spPr>
-        <p:txBody>
-          <a:bodyPr/>
-          <a:lstStyle/>
-          <a:p>
-            <a:r>
-              <a:t>Requirements Editor - Model-2-Text</a:t>
-            </a:r>
-          </a:p>
-        </p:txBody>
-      </p:sp>
-      <p:pic>
-        <p:nvPicPr>
-          <p:cNvPr id="2" name="Grafik 1"/>
-          <p:cNvPicPr>
-            <a:picLocks noChangeAspect="1"/>
-          </p:cNvPicPr>
-          <p:nvPr/>
-        </p:nvPicPr>
-        <p:blipFill>
-          <a:blip r:embed="rId2">
-            <a:extLst>
-              <a:ext uri="{28A0092B-C50C-407E-A947-70E740481C1C}">
-                <a14:useLocalDpi xmlns:a14="http://schemas.microsoft.com/office/drawing/2010/main" val="0"/>
-              </a:ext>
-            </a:extLst>
-          </a:blip>
-          <a:stretch>
-            <a:fillRect/>
-          </a:stretch>
-        </p:blipFill>
-        <p:spPr>
-          <a:xfrm>
-            <a:off x="0" y="858505"/>
-            <a:ext cx="9144000" cy="5140990"/>
-          </a:xfrm>
-          <a:prstGeom prst="rect">
-            <a:avLst/>
-          </a:prstGeom>
-        </p:spPr>
-      </p:pic>
-    </p:spTree>
-    <p:extLst>
-      <p:ext uri="{BB962C8B-B14F-4D97-AF65-F5344CB8AC3E}">
-        <p14:creationId xmlns:p14="http://schemas.microsoft.com/office/powerpoint/2010/main" val="3043618238"/>
-      </p:ext>
-    </p:extLst>
-  </p:cSld>
-  <p:clrMapOvr>
-    <a:masterClrMapping/>
-  </p:clrMapOvr>
-  <p:transition spd="med"/>
-  <p:timing>
-    <p:tnLst>
-      <p:par>
-        <p:cTn id="1" dur="indefinite" restart="never" nodeType="tmRoot"/>
-      </p:par>
-    </p:tnLst>
-  </p:timing>
-</p:sld>
-</file>
-
-<file path=ppt/slides/slide17.xml><?xml version="1.0" encoding="utf-8"?>
-<p:sld xmlns:a="http://schemas.openxmlformats.org/drawingml/2006/main" xmlns:r="http://schemas.openxmlformats.org/officeDocument/2006/relationships" xmlns:p="http://schemas.openxmlformats.org/presentationml/2006/main">
-  <p:cSld>
-    <p:spTree>
-      <p:nvGrpSpPr>
-        <p:cNvPr id="1" name=""/>
-        <p:cNvGrpSpPr/>
-        <p:nvPr/>
-      </p:nvGrpSpPr>
-      <p:grpSpPr>
-        <a:xfrm>
-          <a:off x="0" y="0"/>
-          <a:ext cx="0" cy="0"/>
-          <a:chOff x="0" y="0"/>
-          <a:chExt cx="0" cy="0"/>
-        </a:xfrm>
-      </p:grpSpPr>
-      <p:sp>
-        <p:nvSpPr>
           <p:cNvPr id="108" name="Shape 108"/>
           <p:cNvSpPr>
             <a:spLocks noGrp="1"/>
@@ -6417,13 +6287,8 @@
             </a:pPr>
             <a:r>
               <a:rPr lang="de-DE" dirty="0" smtClean="0"/>
-              <a:t>Keine zusätzliche Konfiguration </a:t>
-            </a:r>
-            <a:r>
-              <a:rPr lang="de-DE" dirty="0" smtClean="0"/>
-              <a:t>benötigt</a:t>
-            </a:r>
-            <a:endParaRPr lang="de-DE" dirty="0" smtClean="0"/>
+              <a:t>Keine zusätzliche Konfiguration benötigt</a:t>
+            </a:r>
           </a:p>
           <a:p>
             <a:pPr lvl="4">
@@ -6443,7 +6308,6 @@
               <a:rPr lang="de-DE" dirty="0" smtClean="0"/>
               <a:t>Klare Rückmeldung</a:t>
             </a:r>
-            <a:endParaRPr lang="de-DE" dirty="0" smtClean="0"/>
           </a:p>
           <a:p>
             <a:pPr lvl="2">
@@ -6500,15 +6364,7 @@
             </a:pPr>
             <a:r>
               <a:rPr lang="de-DE" dirty="0" smtClean="0"/>
-              <a:t>CSV: </a:t>
-            </a:r>
-            <a:r>
-              <a:rPr lang="de-DE" dirty="0" smtClean="0"/>
-              <a:t>einfach </a:t>
-            </a:r>
-            <a:r>
-              <a:rPr lang="de-DE" dirty="0" smtClean="0"/>
-              <a:t>und klar</a:t>
+              <a:t>CSV: einfach und klar</a:t>
             </a:r>
           </a:p>
           <a:p>
